--- a/0001-0100/LeetCode 第 4 题：“寻找两个有序数组的中位数”题解配图.pptx
+++ b/0001-0100/LeetCode 第 4 题：“寻找两个有序数组的中位数”题解配图.pptx
@@ -356,7 +356,7 @@
           <a:p>
             <a:fld id="{7C955CD6-C544-6447-88CB-A2D8D4C328B3}" type="datetimeFigureOut">
               <a:rPr kumimoji="1" lang="zh-CN" altLang="en-US" smtClean="0"/>
-              <a:t>2019/7/18</a:t>
+              <a:t>2019/8/2</a:t>
             </a:fld>
             <a:endParaRPr kumimoji="1" lang="zh-CN" altLang="en-US"/>
           </a:p>
@@ -7866,7 +7866,7 @@
                 <a:ea typeface="KaiTi_GB2312" panose="02010609030101010101" pitchFamily="49" charset="-122"/>
                 <a:cs typeface="Times New Roman" panose="02020603050405020304" pitchFamily="18" charset="0"/>
               </a:rPr>
-              <a:t>）当两个数组的元素个数之和为奇数的时候，有：</a:t>
+              <a:t>）当两个数组的元素个数之和为偶数的时候，有：</a:t>
             </a:r>
             <a:r>
               <a:rPr kumimoji="1" lang="en-US" altLang="zh-CN" sz="2000" b="1" dirty="0">
@@ -10905,7 +10905,7 @@
                 <a:ea typeface="KaiTi_GB2312" panose="02010609030101010101" pitchFamily="49" charset="-122"/>
                 <a:cs typeface="Times New Roman" panose="02020603050405020304" pitchFamily="18" charset="0"/>
               </a:rPr>
-              <a:t>）当两个数组的元素个数之和为奇数的时候，有：</a:t>
+              <a:t>）当两个数组的元素个数之和为偶数的时候，有：</a:t>
             </a:r>
             <a:r>
               <a:rPr kumimoji="1" lang="en-US" altLang="zh-CN" sz="2000" b="1" dirty="0">
@@ -15303,7 +15303,23 @@
                 <a:ea typeface="KaiTi_GB2312" panose="02010609030101010101" pitchFamily="49" charset="-122"/>
                 <a:cs typeface="Times New Roman" panose="02020603050405020304" pitchFamily="18" charset="0"/>
               </a:rPr>
-              <a:t>）当两个数组的元素个数之和为奇数的时候，有：</a:t>
+              <a:t>）当两个数组的元素个数</a:t>
+            </a:r>
+            <a:r>
+              <a:rPr kumimoji="1" lang="zh-CN" altLang="en-US">
+                <a:latin typeface="Times New Roman" panose="02020603050405020304" pitchFamily="18" charset="0"/>
+                <a:ea typeface="KaiTi_GB2312" panose="02010609030101010101" pitchFamily="49" charset="-122"/>
+                <a:cs typeface="Times New Roman" panose="02020603050405020304" pitchFamily="18" charset="0"/>
+              </a:rPr>
+              <a:t>之和为偶数</a:t>
+            </a:r>
+            <a:r>
+              <a:rPr kumimoji="1" lang="zh-CN" altLang="en-US" dirty="0">
+                <a:latin typeface="Times New Roman" panose="02020603050405020304" pitchFamily="18" charset="0"/>
+                <a:ea typeface="KaiTi_GB2312" panose="02010609030101010101" pitchFamily="49" charset="-122"/>
+                <a:cs typeface="Times New Roman" panose="02020603050405020304" pitchFamily="18" charset="0"/>
+              </a:rPr>
+              <a:t>的时候，有：</a:t>
             </a:r>
             <a:r>
               <a:rPr kumimoji="1" lang="en-US" altLang="zh-CN" b="1" dirty="0">
